--- a/Apresentação.pptx
+++ b/Apresentação.pptx
@@ -110,6 +110,11 @@
       </a:defRPr>
     </a:lvl9pPr>
   </p:defaultTextStyle>
+  <p:extLst>
+    <p:ext uri="{EFAFB233-063F-42B5-8137-9DF3F51BA10A}">
+      <p15:sldGuideLst xmlns:p15="http://schemas.microsoft.com/office/powerpoint/2012/main"/>
+    </p:ext>
+  </p:extLst>
 </p:presentation>
 </file>
 
@@ -6118,7 +6123,7 @@
   </p:clrMapOvr>
   <mc:AlternateContent xmlns:mc="http://schemas.openxmlformats.org/markup-compatibility/2006">
     <mc:Choice xmlns:p14="http://schemas.microsoft.com/office/powerpoint/2010/main" Requires="p14">
-      <p:transition spd="slow" p14:dur="3400">
+      <p:transition spd="slow" p14:dur="2000">
         <p14:reveal/>
       </p:transition>
     </mc:Choice>
@@ -7036,13 +7041,13 @@
   <p:clrMapOvr>
     <a:masterClrMapping/>
   </p:clrMapOvr>
-  <mc:AlternateContent xmlns:mc="http://schemas.openxmlformats.org/markup-compatibility/2006">
-    <mc:Choice xmlns:p14="http://schemas.microsoft.com/office/powerpoint/2010/main" Requires="p14">
+  <mc:AlternateContent xmlns:mc="http://schemas.openxmlformats.org/markup-compatibility/2006" xmlns:p14="http://schemas.microsoft.com/office/powerpoint/2010/main">
+    <mc:Choice Requires="p14">
       <p:transition spd="slow" p14:dur="1500">
         <p:split orient="vert"/>
       </p:transition>
     </mc:Choice>
-    <mc:Fallback>
+    <mc:Fallback xmlns="">
       <p:transition spd="slow">
         <p:split orient="vert"/>
       </p:transition>
@@ -8251,6 +8256,9 @@
   <p:clrMapOvr>
     <a:masterClrMapping/>
   </p:clrMapOvr>
+  <p:transition spd="slow">
+    <p:randomBar dir="vert"/>
+  </p:transition>
   <p:timing>
     <p:tnLst>
       <p:par>
@@ -8616,6 +8624,9 @@
   <p:clrMapOvr>
     <a:masterClrMapping/>
   </p:clrMapOvr>
+  <p:transition spd="slow">
+    <p:randomBar dir="vert"/>
+  </p:transition>
   <p:timing>
     <p:tnLst>
       <p:par>
@@ -9856,6 +9867,9 @@
   <p:clrMapOvr>
     <a:masterClrMapping/>
   </p:clrMapOvr>
+  <p:transition spd="slow">
+    <p:randomBar dir="vert"/>
+  </p:transition>
   <p:timing>
     <p:tnLst>
       <p:par>
@@ -11263,8 +11277,44 @@
         </p:blipFill>
         <p:spPr>
           <a:xfrm>
-            <a:off x="7331951" y="2432873"/>
+            <a:off x="7102683" y="2446320"/>
             <a:ext cx="3678136" cy="3697326"/>
+          </a:xfrm>
+          <a:prstGeom prst="rect">
+            <a:avLst/>
+          </a:prstGeom>
+        </p:spPr>
+      </p:pic>
+      <p:pic>
+        <p:nvPicPr>
+          <p:cNvPr id="5" name="Imagem 4">
+            <a:extLst>
+              <a:ext uri="{FF2B5EF4-FFF2-40B4-BE49-F238E27FC236}">
+                <a16:creationId xmlns:a16="http://schemas.microsoft.com/office/drawing/2014/main" id="{54CB690C-F471-3E0D-25AB-7513512991A6}"/>
+              </a:ext>
+            </a:extLst>
+          </p:cNvPr>
+          <p:cNvPicPr>
+            <a:picLocks noChangeAspect="1"/>
+          </p:cNvPicPr>
+          <p:nvPr/>
+        </p:nvPicPr>
+        <p:blipFill>
+          <a:blip r:embed="rId7">
+            <a:extLst>
+              <a:ext uri="{28A0092B-C50C-407E-A947-70E740481C1C}">
+                <a14:useLocalDpi xmlns:a14="http://schemas.microsoft.com/office/drawing/2010/main" val="0"/>
+              </a:ext>
+            </a:extLst>
+          </a:blip>
+          <a:stretch>
+            <a:fillRect/>
+          </a:stretch>
+        </p:blipFill>
+        <p:spPr>
+          <a:xfrm>
+            <a:off x="7102683" y="2101768"/>
+            <a:ext cx="3678135" cy="4386429"/>
           </a:xfrm>
           <a:prstGeom prst="rect">
             <a:avLst/>
@@ -11889,6 +11939,105 @@
                       </p:childTnLst>
                     </p:cTn>
                   </p:par>
+                  <p:par>
+                    <p:cTn id="48" fill="hold">
+                      <p:stCondLst>
+                        <p:cond delay="indefinite"/>
+                      </p:stCondLst>
+                      <p:childTnLst>
+                        <p:par>
+                          <p:cTn id="49" fill="hold">
+                            <p:stCondLst>
+                              <p:cond delay="0"/>
+                            </p:stCondLst>
+                            <p:childTnLst>
+                              <p:par>
+                                <p:cTn id="50" presetID="42" presetClass="entr" presetSubtype="0" fill="hold" nodeType="clickEffect">
+                                  <p:stCondLst>
+                                    <p:cond delay="0"/>
+                                  </p:stCondLst>
+                                  <p:childTnLst>
+                                    <p:set>
+                                      <p:cBhvr>
+                                        <p:cTn id="51" dur="1" fill="hold">
+                                          <p:stCondLst>
+                                            <p:cond delay="0"/>
+                                          </p:stCondLst>
+                                        </p:cTn>
+                                        <p:tgtEl>
+                                          <p:spTgt spid="5"/>
+                                        </p:tgtEl>
+                                        <p:attrNameLst>
+                                          <p:attrName>style.visibility</p:attrName>
+                                        </p:attrNameLst>
+                                      </p:cBhvr>
+                                      <p:to>
+                                        <p:strVal val="visible"/>
+                                      </p:to>
+                                    </p:set>
+                                    <p:animEffect transition="in" filter="fade">
+                                      <p:cBhvr>
+                                        <p:cTn id="52" dur="1000"/>
+                                        <p:tgtEl>
+                                          <p:spTgt spid="5"/>
+                                        </p:tgtEl>
+                                      </p:cBhvr>
+                                    </p:animEffect>
+                                    <p:anim calcmode="lin" valueType="num">
+                                      <p:cBhvr>
+                                        <p:cTn id="53" dur="1000" fill="hold"/>
+                                        <p:tgtEl>
+                                          <p:spTgt spid="5"/>
+                                        </p:tgtEl>
+                                        <p:attrNameLst>
+                                          <p:attrName>ppt_x</p:attrName>
+                                        </p:attrNameLst>
+                                      </p:cBhvr>
+                                      <p:tavLst>
+                                        <p:tav tm="0">
+                                          <p:val>
+                                            <p:strVal val="#ppt_x"/>
+                                          </p:val>
+                                        </p:tav>
+                                        <p:tav tm="100000">
+                                          <p:val>
+                                            <p:strVal val="#ppt_x"/>
+                                          </p:val>
+                                        </p:tav>
+                                      </p:tavLst>
+                                    </p:anim>
+                                    <p:anim calcmode="lin" valueType="num">
+                                      <p:cBhvr>
+                                        <p:cTn id="54" dur="1000" fill="hold"/>
+                                        <p:tgtEl>
+                                          <p:spTgt spid="5"/>
+                                        </p:tgtEl>
+                                        <p:attrNameLst>
+                                          <p:attrName>ppt_y</p:attrName>
+                                        </p:attrNameLst>
+                                      </p:cBhvr>
+                                      <p:tavLst>
+                                        <p:tav tm="0">
+                                          <p:val>
+                                            <p:strVal val="#ppt_y+.1"/>
+                                          </p:val>
+                                        </p:tav>
+                                        <p:tav tm="100000">
+                                          <p:val>
+                                            <p:strVal val="#ppt_y"/>
+                                          </p:val>
+                                        </p:tav>
+                                      </p:tavLst>
+                                    </p:anim>
+                                  </p:childTnLst>
+                                </p:cTn>
+                              </p:par>
+                            </p:childTnLst>
+                          </p:cTn>
+                        </p:par>
+                      </p:childTnLst>
+                    </p:cTn>
+                  </p:par>
                 </p:childTnLst>
               </p:cTn>
               <p:prevCondLst>
@@ -12003,6 +12152,9 @@
   <p:clrMapOvr>
     <a:masterClrMapping/>
   </p:clrMapOvr>
+  <p:transition spd="slow">
+    <p:randomBar dir="vert"/>
+  </p:transition>
 </p:sld>
 </file>
 
